--- a/LalyearnabodaLayheryacucha/LalyearnabodaLayheryacucha/自定义形状.pptx
+++ b/LalyearnabodaLayheryacucha/LalyearnabodaLayheryacucha/自定义形状.pptx
@@ -477,6 +477,68 @@
       </p:grpSpPr>
       <p:sp>
         <p:nvSpPr>
+          <p:cNvPr id="6" name="林德熙是逗比"/>
+          <p:cNvSpPr/>
+          <p:nvPr/>
+        </p:nvSpPr>
+        <p:spPr>
+          <a:xfrm>
+            <a:off x="0" y="0"/>
+            <a:ext cx="2086494" cy="1305098"/>
+          </a:xfrm>
+          <a:custGeom>
+            <a:avLst/>
+            <a:rect l="l" t="t" r="r" b="b"/>
+            <a:pathLst>
+              <a:path w="2086494" h="952500">
+                <a:moveTo>
+                  <a:pt x="0" y="152400"/>
+                </a:moveTo>
+                <a:arcTo wR="152400" hR="152400" stAng="10800000" swAng="5400000"/>
+                <a:lnTo>
+                  <a:pt x="761996" y="0"/>
+                </a:lnTo>
+                <a:arcTo wR="152400" hR="152400" stAng="16200000" swAng="5400000"/>
+                <a:lnTo>
+                  <a:pt x="914400" y="761996"/>
+                </a:lnTo>
+                <a:arcTo wR="152400" hR="152400" stAng="0" swAng="5400000"/>
+                <a:lnTo>
+                  <a:pt x="152400" y="914400"/>
+                </a:lnTo>
+                <a:arcTo wR="152400" hR="152400" stAng="5400000" swAng="5400000"/>
+                <a:close/>
+              </a:path>
+            </a:pathLst>
+          </a:custGeom>
+        </p:spPr>
+        <p:style>
+          <a:lnRef idx="2">
+            <a:schemeClr val="accent1">
+              <a:shade val="50000"/>
+            </a:schemeClr>
+          </a:lnRef>
+          <a:fillRef idx="1">
+            <a:schemeClr val="accent1"/>
+          </a:fillRef>
+          <a:effectRef idx="0">
+            <a:schemeClr val="accent1"/>
+          </a:effectRef>
+          <a:fontRef idx="minor">
+            <a:schemeClr val="lt1"/>
+          </a:fontRef>
+        </p:style>
+        <p:txBody>
+          <a:bodyPr rtlCol="0" anchor="ctr"/>
+          <a:lstStyle/>
+          <a:p>
+            <a:pPr algn="ctr"/>
+            <a:endParaRPr lang="zh-CN" altLang="en-US"/>
+          </a:p>
+        </p:txBody>
+      </p:sp>
+      <p:sp>
+        <p:nvSpPr>
           <p:cNvPr id="2" name="任意多边形 1"/>
           <p:cNvSpPr/>
           <p:nvPr/>
